--- a/0090_ber/rtl/schematic/div.pptx
+++ b/0090_ber/rtl/schematic/div.pptx
@@ -197,7 +197,7 @@
           <a:p>
             <a:fld id="{B9E5BF02-4A65-43B2-AA51-912306618617}" type="datetimeFigureOut">
               <a:rPr lang="en-US" smtClean="0"/>
-              <a:t>10/5/2017</a:t>
+              <a:t>10/6/2017</a:t>
             </a:fld>
             <a:endParaRPr lang="en-US"/>
           </a:p>
@@ -685,7 +685,7 @@
           <a:p>
             <a:fld id="{F8F920B2-3E99-4C9D-9450-62A3DEC5476B}" type="datetimeFigureOut">
               <a:rPr lang="en-US" smtClean="0"/>
-              <a:t>10/5/2017</a:t>
+              <a:t>10/6/2017</a:t>
             </a:fld>
             <a:endParaRPr lang="en-US"/>
           </a:p>
@@ -855,7 +855,7 @@
           <a:p>
             <a:fld id="{F8F920B2-3E99-4C9D-9450-62A3DEC5476B}" type="datetimeFigureOut">
               <a:rPr lang="en-US" smtClean="0"/>
-              <a:t>10/5/2017</a:t>
+              <a:t>10/6/2017</a:t>
             </a:fld>
             <a:endParaRPr lang="en-US"/>
           </a:p>
@@ -1035,7 +1035,7 @@
           <a:p>
             <a:fld id="{F8F920B2-3E99-4C9D-9450-62A3DEC5476B}" type="datetimeFigureOut">
               <a:rPr lang="en-US" smtClean="0"/>
-              <a:t>10/5/2017</a:t>
+              <a:t>10/6/2017</a:t>
             </a:fld>
             <a:endParaRPr lang="en-US"/>
           </a:p>
@@ -1205,7 +1205,7 @@
           <a:p>
             <a:fld id="{F8F920B2-3E99-4C9D-9450-62A3DEC5476B}" type="datetimeFigureOut">
               <a:rPr lang="en-US" smtClean="0"/>
-              <a:t>10/5/2017</a:t>
+              <a:t>10/6/2017</a:t>
             </a:fld>
             <a:endParaRPr lang="en-US"/>
           </a:p>
@@ -1449,7 +1449,7 @@
           <a:p>
             <a:fld id="{F8F920B2-3E99-4C9D-9450-62A3DEC5476B}" type="datetimeFigureOut">
               <a:rPr lang="en-US" smtClean="0"/>
-              <a:t>10/5/2017</a:t>
+              <a:t>10/6/2017</a:t>
             </a:fld>
             <a:endParaRPr lang="en-US"/>
           </a:p>
@@ -1681,7 +1681,7 @@
           <a:p>
             <a:fld id="{F8F920B2-3E99-4C9D-9450-62A3DEC5476B}" type="datetimeFigureOut">
               <a:rPr lang="en-US" smtClean="0"/>
-              <a:t>10/5/2017</a:t>
+              <a:t>10/6/2017</a:t>
             </a:fld>
             <a:endParaRPr lang="en-US"/>
           </a:p>
@@ -2048,7 +2048,7 @@
           <a:p>
             <a:fld id="{F8F920B2-3E99-4C9D-9450-62A3DEC5476B}" type="datetimeFigureOut">
               <a:rPr lang="en-US" smtClean="0"/>
-              <a:t>10/5/2017</a:t>
+              <a:t>10/6/2017</a:t>
             </a:fld>
             <a:endParaRPr lang="en-US"/>
           </a:p>
@@ -2166,7 +2166,7 @@
           <a:p>
             <a:fld id="{F8F920B2-3E99-4C9D-9450-62A3DEC5476B}" type="datetimeFigureOut">
               <a:rPr lang="en-US" smtClean="0"/>
-              <a:t>10/5/2017</a:t>
+              <a:t>10/6/2017</a:t>
             </a:fld>
             <a:endParaRPr lang="en-US"/>
           </a:p>
@@ -2261,7 +2261,7 @@
           <a:p>
             <a:fld id="{F8F920B2-3E99-4C9D-9450-62A3DEC5476B}" type="datetimeFigureOut">
               <a:rPr lang="en-US" smtClean="0"/>
-              <a:t>10/5/2017</a:t>
+              <a:t>10/6/2017</a:t>
             </a:fld>
             <a:endParaRPr lang="en-US"/>
           </a:p>
@@ -2538,7 +2538,7 @@
           <a:p>
             <a:fld id="{F8F920B2-3E99-4C9D-9450-62A3DEC5476B}" type="datetimeFigureOut">
               <a:rPr lang="en-US" smtClean="0"/>
-              <a:t>10/5/2017</a:t>
+              <a:t>10/6/2017</a:t>
             </a:fld>
             <a:endParaRPr lang="en-US"/>
           </a:p>
@@ -2795,7 +2795,7 @@
           <a:p>
             <a:fld id="{F8F920B2-3E99-4C9D-9450-62A3DEC5476B}" type="datetimeFigureOut">
               <a:rPr lang="en-US" smtClean="0"/>
-              <a:t>10/5/2017</a:t>
+              <a:t>10/6/2017</a:t>
             </a:fld>
             <a:endParaRPr lang="en-US"/>
           </a:p>
@@ -3008,7 +3008,7 @@
           <a:p>
             <a:fld id="{F8F920B2-3E99-4C9D-9450-62A3DEC5476B}" type="datetimeFigureOut">
               <a:rPr lang="en-US" smtClean="0"/>
-              <a:t>10/5/2017</a:t>
+              <a:t>10/6/2017</a:t>
             </a:fld>
             <a:endParaRPr lang="en-US"/>
           </a:p>
@@ -3468,13 +3468,6 @@
               </a:rPr>
               <a:t>div</a:t>
             </a:r>
-            <a:endParaRPr lang="en-US" sz="900" dirty="0">
-              <a:solidFill>
-                <a:srgbClr val="000000"/>
-              </a:solidFill>
-              <a:latin typeface="Courier New" panose="02070309020205020404" pitchFamily="49" charset="0"/>
-              <a:cs typeface="Courier New" panose="02070309020205020404" pitchFamily="49" charset="0"/>
-            </a:endParaRPr>
           </a:p>
         </p:txBody>
       </p:sp>
@@ -3616,13 +3609,6 @@
               </a:rPr>
               <a:t>BW_DSOR</a:t>
             </a:r>
-            <a:endParaRPr lang="en-US" sz="900" dirty="0">
-              <a:solidFill>
-                <a:srgbClr val="000000"/>
-              </a:solidFill>
-              <a:latin typeface="Courier New" panose="02070309020205020404" pitchFamily="49" charset="0"/>
-              <a:cs typeface="Courier New" panose="02070309020205020404" pitchFamily="49" charset="0"/>
-            </a:endParaRPr>
           </a:p>
         </p:txBody>
       </p:sp>
@@ -3675,13 +3661,6 @@
               </a:rPr>
               <a:t>DIVISOR</a:t>
             </a:r>
-            <a:endParaRPr lang="en-US" sz="900" dirty="0">
-              <a:solidFill>
-                <a:srgbClr val="000000"/>
-              </a:solidFill>
-              <a:latin typeface="Courier New" panose="02070309020205020404" pitchFamily="49" charset="0"/>
-              <a:cs typeface="Courier New" panose="02070309020205020404" pitchFamily="49" charset="0"/>
-            </a:endParaRPr>
           </a:p>
         </p:txBody>
       </p:sp>
@@ -5147,13 +5126,6 @@
               </a:rPr>
               <a:t>-</a:t>
             </a:r>
-            <a:endParaRPr lang="en-US" sz="900" dirty="0">
-              <a:solidFill>
-                <a:srgbClr val="000000"/>
-              </a:solidFill>
-              <a:latin typeface="Courier New" panose="02070309020205020404" pitchFamily="49" charset="0"/>
-              <a:cs typeface="Courier New" panose="02070309020205020404" pitchFamily="49" charset="0"/>
-            </a:endParaRPr>
           </a:p>
         </p:txBody>
       </p:sp>
@@ -5230,13 +5202,6 @@
               </a:rPr>
               <a:t>          BW_DSOR = ‘d3;</a:t>
             </a:r>
-            <a:endParaRPr lang="en-US" sz="900" dirty="0">
-              <a:solidFill>
-                <a:srgbClr val="000000"/>
-              </a:solidFill>
-              <a:latin typeface="Courier New" panose="02070309020205020404" pitchFamily="49" charset="0"/>
-              <a:cs typeface="Courier New" panose="02070309020205020404" pitchFamily="49" charset="0"/>
-            </a:endParaRPr>
           </a:p>
         </p:txBody>
       </p:sp>
@@ -5912,13 +5877,6 @@
               </a:rPr>
               <a:t>1’b0</a:t>
             </a:r>
-            <a:endParaRPr lang="en-US" sz="900" dirty="0">
-              <a:solidFill>
-                <a:srgbClr val="000000"/>
-              </a:solidFill>
-              <a:latin typeface="Courier New" panose="02070309020205020404" pitchFamily="49" charset="0"/>
-              <a:cs typeface="Courier New" panose="02070309020205020404" pitchFamily="49" charset="0"/>
-            </a:endParaRPr>
           </a:p>
         </p:txBody>
       </p:sp>
@@ -6196,13 +6154,6 @@
               </a:rPr>
               <a:t>[BW_DEND-2:0]</a:t>
             </a:r>
-            <a:endParaRPr lang="en-US" sz="900" dirty="0">
-              <a:solidFill>
-                <a:srgbClr val="000000"/>
-              </a:solidFill>
-              <a:latin typeface="Courier New" panose="02070309020205020404" pitchFamily="49" charset="0"/>
-              <a:cs typeface="Courier New" panose="02070309020205020404" pitchFamily="49" charset="0"/>
-            </a:endParaRPr>
           </a:p>
         </p:txBody>
       </p:sp>
@@ -6256,13 +6207,6 @@
               </a:rPr>
               <a:t>[BW_DEND+BW_DSOR-1:BW_DEND-1]</a:t>
             </a:r>
-            <a:endParaRPr lang="en-US" sz="900" dirty="0">
-              <a:solidFill>
-                <a:srgbClr val="000000"/>
-              </a:solidFill>
-              <a:latin typeface="Courier New" panose="02070309020205020404" pitchFamily="49" charset="0"/>
-              <a:cs typeface="Courier New" panose="02070309020205020404" pitchFamily="49" charset="0"/>
-            </a:endParaRPr>
           </a:p>
         </p:txBody>
       </p:sp>
@@ -6353,13 +6297,6 @@
               </a:rPr>
               <a:t>BW_DSOR+1</a:t>
             </a:r>
-            <a:endParaRPr lang="en-US" sz="900" dirty="0">
-              <a:solidFill>
-                <a:srgbClr val="000000"/>
-              </a:solidFill>
-              <a:latin typeface="Courier New" panose="02070309020205020404" pitchFamily="49" charset="0"/>
-              <a:cs typeface="Courier New" panose="02070309020205020404" pitchFamily="49" charset="0"/>
-            </a:endParaRPr>
           </a:p>
         </p:txBody>
       </p:sp>
@@ -6450,13 +6387,6 @@
               </a:rPr>
               <a:t>BW_DEND-1</a:t>
             </a:r>
-            <a:endParaRPr lang="en-US" sz="900" dirty="0">
-              <a:solidFill>
-                <a:srgbClr val="000000"/>
-              </a:solidFill>
-              <a:latin typeface="Courier New" panose="02070309020205020404" pitchFamily="49" charset="0"/>
-              <a:cs typeface="Courier New" panose="02070309020205020404" pitchFamily="49" charset="0"/>
-            </a:endParaRPr>
           </a:p>
         </p:txBody>
       </p:sp>
@@ -7237,13 +7167,6 @@
               </a:rPr>
               <a:t>BW_DEND</a:t>
             </a:r>
-            <a:endParaRPr lang="en-US" sz="900" dirty="0">
-              <a:solidFill>
-                <a:srgbClr val="000000"/>
-              </a:solidFill>
-              <a:latin typeface="Courier New" panose="02070309020205020404" pitchFamily="49" charset="0"/>
-              <a:cs typeface="Courier New" panose="02070309020205020404" pitchFamily="49" charset="0"/>
-            </a:endParaRPr>
           </a:p>
         </p:txBody>
       </p:sp>
@@ -7335,13 +7258,6 @@
               </a:rPr>
               <a:t>DIVDEND</a:t>
             </a:r>
-            <a:endParaRPr lang="en-US" sz="900" dirty="0">
-              <a:solidFill>
-                <a:srgbClr val="000000"/>
-              </a:solidFill>
-              <a:latin typeface="Courier New" panose="02070309020205020404" pitchFamily="49" charset="0"/>
-              <a:cs typeface="Courier New" panose="02070309020205020404" pitchFamily="49" charset="0"/>
-            </a:endParaRPr>
           </a:p>
         </p:txBody>
       </p:sp>
@@ -7691,13 +7607,6 @@
               </a:rPr>
               <a:t>BW_DSOR</a:t>
             </a:r>
-            <a:endParaRPr lang="en-US" sz="900" dirty="0">
-              <a:solidFill>
-                <a:srgbClr val="000000"/>
-              </a:solidFill>
-              <a:latin typeface="Courier New" panose="02070309020205020404" pitchFamily="49" charset="0"/>
-              <a:cs typeface="Courier New" panose="02070309020205020404" pitchFamily="49" charset="0"/>
-            </a:endParaRPr>
           </a:p>
         </p:txBody>
       </p:sp>
@@ -7788,13 +7697,6 @@
               </a:rPr>
               <a:t>1</a:t>
             </a:r>
-            <a:endParaRPr lang="en-US" sz="900" dirty="0">
-              <a:solidFill>
-                <a:srgbClr val="000000"/>
-              </a:solidFill>
-              <a:latin typeface="Courier New" panose="02070309020205020404" pitchFamily="49" charset="0"/>
-              <a:cs typeface="Courier New" panose="02070309020205020404" pitchFamily="49" charset="0"/>
-            </a:endParaRPr>
           </a:p>
         </p:txBody>
       </p:sp>
@@ -7885,13 +7787,6 @@
               </a:rPr>
               <a:t>BW_DSOR</a:t>
             </a:r>
-            <a:endParaRPr lang="en-US" sz="900" dirty="0">
-              <a:solidFill>
-                <a:srgbClr val="000000"/>
-              </a:solidFill>
-              <a:latin typeface="Courier New" panose="02070309020205020404" pitchFamily="49" charset="0"/>
-              <a:cs typeface="Courier New" panose="02070309020205020404" pitchFamily="49" charset="0"/>
-            </a:endParaRPr>
           </a:p>
         </p:txBody>
       </p:sp>
@@ -7982,13 +7877,6 @@
               </a:rPr>
               <a:t>1</a:t>
             </a:r>
-            <a:endParaRPr lang="en-US" sz="900" dirty="0">
-              <a:solidFill>
-                <a:srgbClr val="000000"/>
-              </a:solidFill>
-              <a:latin typeface="Courier New" panose="02070309020205020404" pitchFamily="49" charset="0"/>
-              <a:cs typeface="Courier New" panose="02070309020205020404" pitchFamily="49" charset="0"/>
-            </a:endParaRPr>
           </a:p>
         </p:txBody>
       </p:sp>
@@ -8152,13 +8040,6 @@
               </a:rPr>
               <a:t>{BW_DSOR{1’b0}}</a:t>
             </a:r>
-            <a:endParaRPr lang="en-US" sz="900" dirty="0">
-              <a:solidFill>
-                <a:srgbClr val="000000"/>
-              </a:solidFill>
-              <a:latin typeface="Courier New" panose="02070309020205020404" pitchFamily="49" charset="0"/>
-              <a:cs typeface="Courier New" panose="02070309020205020404" pitchFamily="49" charset="0"/>
-            </a:endParaRPr>
           </a:p>
         </p:txBody>
       </p:sp>
@@ -8300,13 +8181,6 @@
               </a:rPr>
               <a:t>1</a:t>
             </a:r>
-            <a:endParaRPr lang="en-US" sz="900" dirty="0">
-              <a:solidFill>
-                <a:srgbClr val="000000"/>
-              </a:solidFill>
-              <a:latin typeface="Courier New" panose="02070309020205020404" pitchFamily="49" charset="0"/>
-              <a:cs typeface="Courier New" panose="02070309020205020404" pitchFamily="49" charset="0"/>
-            </a:endParaRPr>
           </a:p>
         </p:txBody>
       </p:sp>
@@ -8359,13 +8233,6 @@
               </a:rPr>
               <a:t>START</a:t>
             </a:r>
-            <a:endParaRPr lang="en-US" sz="900" dirty="0">
-              <a:solidFill>
-                <a:srgbClr val="000000"/>
-              </a:solidFill>
-              <a:latin typeface="Courier New" panose="02070309020205020404" pitchFamily="49" charset="0"/>
-              <a:cs typeface="Courier New" panose="02070309020205020404" pitchFamily="49" charset="0"/>
-            </a:endParaRPr>
           </a:p>
         </p:txBody>
       </p:sp>
@@ -8925,13 +8792,6 @@
               </a:rPr>
               <a:t>BW_DEND-1</a:t>
             </a:r>
-            <a:endParaRPr lang="en-US" sz="900" dirty="0">
-              <a:solidFill>
-                <a:srgbClr val="000000"/>
-              </a:solidFill>
-              <a:latin typeface="Courier New" panose="02070309020205020404" pitchFamily="49" charset="0"/>
-              <a:cs typeface="Courier New" panose="02070309020205020404" pitchFamily="49" charset="0"/>
-            </a:endParaRPr>
           </a:p>
         </p:txBody>
       </p:sp>
@@ -9022,13 +8882,6 @@
               </a:rPr>
               <a:t>BW_CNT</a:t>
             </a:r>
-            <a:endParaRPr lang="en-US" sz="900" dirty="0">
-              <a:solidFill>
-                <a:srgbClr val="000000"/>
-              </a:solidFill>
-              <a:latin typeface="Courier New" panose="02070309020205020404" pitchFamily="49" charset="0"/>
-              <a:cs typeface="Courier New" panose="02070309020205020404" pitchFamily="49" charset="0"/>
-            </a:endParaRPr>
           </a:p>
         </p:txBody>
       </p:sp>
@@ -9084,13 +8937,6 @@
               </a:rPr>
               <a:t>!=</a:t>
             </a:r>
-            <a:endParaRPr lang="en-US" sz="900" dirty="0">
-              <a:solidFill>
-                <a:srgbClr val="000000"/>
-              </a:solidFill>
-              <a:latin typeface="Courier New" panose="02070309020205020404" pitchFamily="49" charset="0"/>
-              <a:cs typeface="Courier New" panose="02070309020205020404" pitchFamily="49" charset="0"/>
-            </a:endParaRPr>
           </a:p>
         </p:txBody>
       </p:sp>
@@ -9144,13 +8990,6 @@
               </a:rPr>
               <a:t>-</a:t>
             </a:r>
-            <a:endParaRPr lang="en-US" sz="900" dirty="0">
-              <a:solidFill>
-                <a:srgbClr val="000000"/>
-              </a:solidFill>
-              <a:latin typeface="Courier New" panose="02070309020205020404" pitchFamily="49" charset="0"/>
-              <a:cs typeface="Courier New" panose="02070309020205020404" pitchFamily="49" charset="0"/>
-            </a:endParaRPr>
           </a:p>
         </p:txBody>
       </p:sp>
@@ -9511,13 +9350,6 @@
               </a:rPr>
               <a:t>{BW_CNT{1’b0}}</a:t>
             </a:r>
-            <a:endParaRPr lang="en-US" sz="900" dirty="0">
-              <a:solidFill>
-                <a:srgbClr val="000000"/>
-              </a:solidFill>
-              <a:latin typeface="Courier New" panose="02070309020205020404" pitchFamily="49" charset="0"/>
-              <a:cs typeface="Courier New" panose="02070309020205020404" pitchFamily="49" charset="0"/>
-            </a:endParaRPr>
           </a:p>
         </p:txBody>
       </p:sp>
@@ -9607,13 +9439,6 @@
               </a:rPr>
               <a:t>{BW_CNT{1’b0}}</a:t>
             </a:r>
-            <a:endParaRPr lang="en-US" sz="900" dirty="0">
-              <a:solidFill>
-                <a:srgbClr val="000000"/>
-              </a:solidFill>
-              <a:latin typeface="Courier New" panose="02070309020205020404" pitchFamily="49" charset="0"/>
-              <a:cs typeface="Courier New" panose="02070309020205020404" pitchFamily="49" charset="0"/>
-            </a:endParaRPr>
           </a:p>
         </p:txBody>
       </p:sp>
@@ -9669,13 +9494,6 @@
               </a:rPr>
               <a:t>+</a:t>
             </a:r>
-            <a:endParaRPr lang="en-US" sz="900" dirty="0">
-              <a:solidFill>
-                <a:srgbClr val="000000"/>
-              </a:solidFill>
-              <a:latin typeface="Courier New" panose="02070309020205020404" pitchFamily="49" charset="0"/>
-              <a:cs typeface="Courier New" panose="02070309020205020404" pitchFamily="49" charset="0"/>
-            </a:endParaRPr>
           </a:p>
         </p:txBody>
       </p:sp>
@@ -9845,13 +9663,6 @@
               </a:rPr>
               <a:t>{BW_CNT{1’b1}}</a:t>
             </a:r>
-            <a:endParaRPr lang="en-US" sz="900" dirty="0">
-              <a:solidFill>
-                <a:srgbClr val="000000"/>
-              </a:solidFill>
-              <a:latin typeface="Courier New" panose="02070309020205020404" pitchFamily="49" charset="0"/>
-              <a:cs typeface="Courier New" panose="02070309020205020404" pitchFamily="49" charset="0"/>
-            </a:endParaRPr>
           </a:p>
         </p:txBody>
       </p:sp>
@@ -10402,13 +10213,6 @@
               </a:rPr>
               <a:t>1</a:t>
             </a:r>
-            <a:endParaRPr lang="en-US" sz="900" dirty="0">
-              <a:solidFill>
-                <a:srgbClr val="000000"/>
-              </a:solidFill>
-              <a:latin typeface="Courier New" panose="02070309020205020404" pitchFamily="49" charset="0"/>
-              <a:cs typeface="Courier New" panose="02070309020205020404" pitchFamily="49" charset="0"/>
-            </a:endParaRPr>
           </a:p>
         </p:txBody>
       </p:sp>
@@ -10461,13 +10265,6 @@
               </a:rPr>
               <a:t>BUSY</a:t>
             </a:r>
-            <a:endParaRPr lang="en-US" sz="900" dirty="0">
-              <a:solidFill>
-                <a:srgbClr val="000000"/>
-              </a:solidFill>
-              <a:latin typeface="Courier New" panose="02070309020205020404" pitchFamily="49" charset="0"/>
-              <a:cs typeface="Courier New" panose="02070309020205020404" pitchFamily="49" charset="0"/>
-            </a:endParaRPr>
           </a:p>
         </p:txBody>
       </p:sp>
@@ -10609,13 +10406,6 @@
               </a:rPr>
               <a:t>BW_DEND</a:t>
             </a:r>
-            <a:endParaRPr lang="en-US" sz="900" dirty="0">
-              <a:solidFill>
-                <a:srgbClr val="000000"/>
-              </a:solidFill>
-              <a:latin typeface="Courier New" panose="02070309020205020404" pitchFamily="49" charset="0"/>
-              <a:cs typeface="Courier New" panose="02070309020205020404" pitchFamily="49" charset="0"/>
-            </a:endParaRPr>
           </a:p>
         </p:txBody>
       </p:sp>
@@ -10819,13 +10609,6 @@
               </a:rPr>
               <a:t>BW_DSOR</a:t>
             </a:r>
-            <a:endParaRPr lang="en-US" sz="900" dirty="0">
-              <a:solidFill>
-                <a:srgbClr val="000000"/>
-              </a:solidFill>
-              <a:latin typeface="Courier New" panose="02070309020205020404" pitchFamily="49" charset="0"/>
-              <a:cs typeface="Courier New" panose="02070309020205020404" pitchFamily="49" charset="0"/>
-            </a:endParaRPr>
           </a:p>
         </p:txBody>
       </p:sp>
@@ -10929,13 +10712,6 @@
               </a:rPr>
               <a:t>QUOT</a:t>
             </a:r>
-            <a:endParaRPr lang="en-US" sz="900" dirty="0">
-              <a:solidFill>
-                <a:srgbClr val="000000"/>
-              </a:solidFill>
-              <a:latin typeface="Courier New" panose="02070309020205020404" pitchFamily="49" charset="0"/>
-              <a:cs typeface="Courier New" panose="02070309020205020404" pitchFamily="49" charset="0"/>
-            </a:endParaRPr>
           </a:p>
         </p:txBody>
       </p:sp>
@@ -10988,13 +10764,6 @@
               </a:rPr>
               <a:t>REM</a:t>
             </a:r>
-            <a:endParaRPr lang="en-US" sz="900" dirty="0">
-              <a:solidFill>
-                <a:srgbClr val="000000"/>
-              </a:solidFill>
-              <a:latin typeface="Courier New" panose="02070309020205020404" pitchFamily="49" charset="0"/>
-              <a:cs typeface="Courier New" panose="02070309020205020404" pitchFamily="49" charset="0"/>
-            </a:endParaRPr>
           </a:p>
         </p:txBody>
       </p:sp>
@@ -11085,13 +10854,6 @@
               </a:rPr>
               <a:t>BW_DEND+BW_DSOR</a:t>
             </a:r>
-            <a:endParaRPr lang="en-US" sz="900" dirty="0">
-              <a:solidFill>
-                <a:srgbClr val="000000"/>
-              </a:solidFill>
-              <a:latin typeface="Courier New" panose="02070309020205020404" pitchFamily="49" charset="0"/>
-              <a:cs typeface="Courier New" panose="02070309020205020404" pitchFamily="49" charset="0"/>
-            </a:endParaRPr>
           </a:p>
         </p:txBody>
       </p:sp>
@@ -11241,13 +11003,6 @@
               </a:rPr>
               <a:t>BW_DSOR+1</a:t>
             </a:r>
-            <a:endParaRPr lang="en-US" sz="900" dirty="0">
-              <a:solidFill>
-                <a:srgbClr val="000000"/>
-              </a:solidFill>
-              <a:latin typeface="Courier New" panose="02070309020205020404" pitchFamily="49" charset="0"/>
-              <a:cs typeface="Courier New" panose="02070309020205020404" pitchFamily="49" charset="0"/>
-            </a:endParaRPr>
           </a:p>
         </p:txBody>
       </p:sp>
@@ -11300,13 +11055,6 @@
               </a:rPr>
               <a:t>diff</a:t>
             </a:r>
-            <a:endParaRPr lang="en-US" sz="900" dirty="0">
-              <a:solidFill>
-                <a:srgbClr val="000000"/>
-              </a:solidFill>
-              <a:latin typeface="Courier New" panose="02070309020205020404" pitchFamily="49" charset="0"/>
-              <a:cs typeface="Courier New" panose="02070309020205020404" pitchFamily="49" charset="0"/>
-            </a:endParaRPr>
           </a:p>
         </p:txBody>
       </p:sp>
@@ -11397,13 +11145,6 @@
               </a:rPr>
               <a:t>BW_DEND+BW_DSOR</a:t>
             </a:r>
-            <a:endParaRPr lang="en-US" sz="900" dirty="0">
-              <a:solidFill>
-                <a:srgbClr val="000000"/>
-              </a:solidFill>
-              <a:latin typeface="Courier New" panose="02070309020205020404" pitchFamily="49" charset="0"/>
-              <a:cs typeface="Courier New" panose="02070309020205020404" pitchFamily="49" charset="0"/>
-            </a:endParaRPr>
           </a:p>
         </p:txBody>
       </p:sp>
@@ -11456,16 +11197,46 @@
               </a:rPr>
               <a:t>minuend</a:t>
             </a:r>
-            <a:endParaRPr lang="en-US" sz="900" dirty="0">
-              <a:solidFill>
-                <a:srgbClr val="000000"/>
-              </a:solidFill>
-              <a:latin typeface="Courier New" panose="02070309020205020404" pitchFamily="49" charset="0"/>
-              <a:cs typeface="Courier New" panose="02070309020205020404" pitchFamily="49" charset="0"/>
-            </a:endParaRPr>
-          </a:p>
-        </p:txBody>
-      </p:sp>
+          </a:p>
+        </p:txBody>
+      </p:sp>
+      <p:cxnSp>
+        <p:nvCxnSpPr>
+          <p:cNvPr id="179" name="Straight Connector 178"/>
+          <p:cNvCxnSpPr/>
+          <p:nvPr/>
+        </p:nvCxnSpPr>
+        <p:spPr>
+          <a:xfrm flipV="1">
+            <a:off x="2895600" y="5257800"/>
+            <a:ext cx="0" cy="1447800"/>
+          </a:xfrm>
+          <a:prstGeom prst="line">
+            <a:avLst/>
+          </a:prstGeom>
+          <a:ln w="12700">
+            <a:solidFill>
+              <a:srgbClr val="000000"/>
+            </a:solidFill>
+            <a:headEnd type="oval" w="med" len="med"/>
+            <a:tailEnd type="none" w="med" len="med"/>
+          </a:ln>
+        </p:spPr>
+        <p:style>
+          <a:lnRef idx="1">
+            <a:schemeClr val="accent1"/>
+          </a:lnRef>
+          <a:fillRef idx="0">
+            <a:schemeClr val="accent1"/>
+          </a:fillRef>
+          <a:effectRef idx="0">
+            <a:schemeClr val="accent1"/>
+          </a:effectRef>
+          <a:fontRef idx="minor">
+            <a:schemeClr val="tx1"/>
+          </a:fontRef>
+        </p:style>
+      </p:cxnSp>
     </p:spTree>
     <p:extLst>
       <p:ext uri="{BB962C8B-B14F-4D97-AF65-F5344CB8AC3E}">
